--- a/output/Large batch training of convolutional networks.pptx
+++ b/output/Large batch training of convolutional networks.pptx
@@ -14,7 +14,6 @@
     <p:sldId id="261" r:id="rId9"/>
     <p:sldId id="262" r:id="rId10"/>
     <p:sldId id="263" r:id="rId11"/>
-    <p:sldId id="264" r:id="rId12"/>
   </p:sldIdLst>
   <p:sldSz cx="9144000" cy="5143500"/>
   <p:notesSz cx="7559675" cy="10691812"/>
@@ -3462,7 +3461,7 @@
                 <a:latin typeface="Montserrat ExtraBold"/>
                 <a:ea typeface="Montserrat ExtraBold"/>
               </a:rPr>
-              <a:t>Introduction to Large-Batch Training and Layer-wise Adaptive Rate Scaling (LARS)</a:t>
+              <a:t>Introduction to Large-Batch Training in Deep Learning</a:t>
             </a:r>
             <a:endParaRPr b="0" lang="en-US" sz="2400" spc="-1" strike="noStrike">
               <a:latin typeface="Arial"/>
@@ -3516,7 +3515,8 @@
                 <a:latin typeface="Montserrat"/>
                 <a:ea typeface="Montserrat"/>
               </a:rPr>
-              <a:t>Overview of the challenges in training large convolutional neural networks and the introduction of the Layer-wise Adaptive Rate Scaling (LARS) algorithm.</a:t>
+              <a:t>- Large batch training challenges
+- Importance of batch size in CNN training</a:t>
             </a:r>
             <a:endParaRPr b="0" lang="en-US" sz="2000" spc="-1" strike="noStrike">
               <a:latin typeface="Arial"/>
@@ -3671,7 +3671,7 @@
                 <a:latin typeface="Montserrat ExtraBold"/>
                 <a:ea typeface="Montserrat ExtraBold"/>
               </a:rPr>
-              <a:t>Scaling Up Convolutional Neural Networks</a:t>
+              <a:t>Layer-wise Adaptive Rate Scaling (LARS) Algorithm</a:t>
             </a:r>
             <a:endParaRPr b="0" lang="en-US" sz="2400" spc="-1" strike="noStrike">
               <a:latin typeface="Arial"/>
@@ -3725,7 +3725,9 @@
                 <a:latin typeface="Montserrat"/>
                 <a:ea typeface="Montserrat"/>
               </a:rPr>
-              <a:t>Discussion on the need to scale up CNN training with larger batch sizes and the impact of batch size on model accuracy.</a:t>
+              <a:t>- Overview of LARS algorithm
+- Use of separate learning rates for each layer
+- Controlling update magnitude with respect to weight norm</a:t>
             </a:r>
             <a:endParaRPr b="0" lang="en-US" sz="2000" spc="-1" strike="noStrike">
               <a:latin typeface="Arial"/>
@@ -3875,7 +3877,7 @@
                 <a:latin typeface="Montserrat ExtraBold"/>
                 <a:ea typeface="Montserrat ExtraBold"/>
               </a:rPr>
-              <a:t>The Role of Batch Normalization (BN)</a:t>
+              <a:t>Scaling AlexNet and ResNet-50 with LARS</a:t>
             </a:r>
             <a:endParaRPr b="0" lang="en-US" sz="2400" spc="-1" strike="noStrike">
               <a:latin typeface="Arial"/>
@@ -3929,7 +3931,9 @@
                 <a:latin typeface="Montserrat"/>
                 <a:ea typeface="Montserrat"/>
               </a:rPr>
-              <a:t>Explanation of how Batch Normalization (BN) improves model convergence for large learning rates and widens the range of acceptable learning rates.</a:t>
+              <a:t>- Scaling AlexNet and ResNet-50 to batch sizes of 8K and 32K
+- Maintenance of accuracy with larger batch sizes using LARS
+- Comparison with traditional training methods</a:t>
             </a:r>
             <a:endParaRPr b="0" lang="en-US" sz="2000" spc="-1" strike="noStrike">
               <a:latin typeface="Arial"/>
@@ -4079,7 +4083,7 @@
                 <a:latin typeface="Montserrat ExtraBold"/>
                 <a:ea typeface="Montserrat ExtraBold"/>
               </a:rPr>
-              <a:t>Challenges of Large-Batch Training</a:t>
+              <a:t>Challenges in Large-Batch Training</a:t>
             </a:r>
             <a:endParaRPr b="0" lang="en-US" sz="2400" spc="-1" strike="noStrike">
               <a:latin typeface="Arial"/>
@@ -4133,7 +4137,9 @@
                 <a:latin typeface="Montserrat"/>
                 <a:ea typeface="Montserrat"/>
               </a:rPr>
-              <a:t>Addressing the challenges of training with high learning rates, weight initialization sensitivity, and potential instability during training.</a:t>
+              <a:t>- Instability of training with high learning rates
+- Impact of LR warm-up and linear scaling
+- Addressing instability with LARS</a:t>
             </a:r>
             <a:endParaRPr b="0" lang="en-US" sz="2000" spc="-1" strike="noStrike">
               <a:latin typeface="Arial"/>
@@ -4283,7 +4289,7 @@
                 <a:latin typeface="Montserrat ExtraBold"/>
                 <a:ea typeface="Montserrat ExtraBold"/>
               </a:rPr>
-              <a:t>Layer-wise Adaptive Rate Scaling (LARS) Algorithm</a:t>
+              <a:t>Benefits of Batch Normalization (BN)</a:t>
             </a:r>
             <a:endParaRPr b="0" lang="en-US" sz="2400" spc="-1" strike="noStrike">
               <a:latin typeface="Arial"/>
@@ -4337,7 +4343,9 @@
                 <a:latin typeface="Montserrat"/>
                 <a:ea typeface="Montserrat"/>
               </a:rPr>
-              <a:t>Detailed explanation of the LARS algorithm, which adapts learning rates for each layer based on the weight norm for better training control.</a:t>
+              <a:t>- Role of BN in large-batch training
+- Handling large learning rates with BN
+- Improved accuracy and convergence with BN</a:t>
             </a:r>
             <a:endParaRPr b="0" lang="en-US" sz="2000" spc="-1" strike="noStrike">
               <a:latin typeface="Arial"/>
@@ -4487,7 +4495,7 @@
                 <a:latin typeface="Montserrat ExtraBold"/>
                 <a:ea typeface="Montserrat ExtraBold"/>
               </a:rPr>
-              <a:t>Experiment Results with AlexNet and ResNet-50</a:t>
+              <a:t>Experimental Results and Analysis</a:t>
             </a:r>
             <a:endParaRPr b="0" lang="en-US" sz="2400" spc="-1" strike="noStrike">
               <a:latin typeface="Arial"/>
@@ -4541,7 +4549,9 @@
                 <a:latin typeface="Montserrat"/>
                 <a:ea typeface="Montserrat"/>
               </a:rPr>
-              <a:t>Presenting experimental results showing how LARS enabled scaling AlexNet and ResNet-50 to batch sizes of 32K without loss in accuracy.</a:t>
+              <a:t>- Accuracy comparison for different batch sizes
+- Effects of LARS on training stability and accuracy
+- Impact of LR scaling and warm-up techniques</a:t>
             </a:r>
             <a:endParaRPr b="0" lang="en-US" sz="2000" spc="-1" strike="noStrike">
               <a:latin typeface="Arial"/>
@@ -4691,7 +4701,7 @@
                 <a:latin typeface="Montserrat ExtraBold"/>
                 <a:ea typeface="Montserrat ExtraBold"/>
               </a:rPr>
-              <a:t>Comparison of Training Approaches</a:t>
+              <a:t>Conclusion and Future Directions</a:t>
             </a:r>
             <a:endParaRPr b="0" lang="en-US" sz="2400" spc="-1" strike="noStrike">
               <a:latin typeface="Arial"/>
@@ -4745,211 +4755,9 @@
                 <a:latin typeface="Montserrat"/>
                 <a:ea typeface="Montserrat"/>
               </a:rPr>
-              <a:t>Contrasting traditional large-batch training methods with the LARS algorithm and its impact on model convergence and accuracy.</a:t>
-            </a:r>
-            <a:endParaRPr b="0" lang="en-US" sz="2000" spc="-1" strike="noStrike">
-              <a:latin typeface="Arial"/>
-            </a:endParaRPr>
-          </a:p>
-          <a:p>
-            <a:pPr>
-              <a:lnSpc>
-                <a:spcPct val="100000"/>
-              </a:lnSpc>
-              <a:tabLst>
-                <a:tab algn="l" pos="0"/>
-              </a:tabLst>
-            </a:pPr>
-            <a:endParaRPr b="0" lang="en-US" sz="2000" spc="-1" strike="noStrike">
-              <a:latin typeface="Arial"/>
-            </a:endParaRPr>
-          </a:p>
-          <a:p>
-            <a:pPr>
-              <a:lnSpc>
-                <a:spcPct val="100000"/>
-              </a:lnSpc>
-              <a:spcAft>
-                <a:spcPts val="1599"/>
-              </a:spcAft>
-              <a:tabLst>
-                <a:tab algn="l" pos="0"/>
-              </a:tabLst>
-            </a:pPr>
-            <a:endParaRPr b="0" lang="en-US" sz="2000" spc="-1" strike="noStrike">
-              <a:latin typeface="Arial"/>
-            </a:endParaRPr>
-          </a:p>
-        </p:txBody>
-      </p:sp>
-      <p:sp>
-        <p:nvSpPr>
-          <p:cNvPr id="80" name="CustomShape 3"/>
-          <p:cNvSpPr/>
-          <p:nvPr/>
-        </p:nvSpPr>
-        <p:spPr>
-          <a:xfrm>
-            <a:off x="1026360" y="414000"/>
-            <a:ext cx="2760840" cy="360"/>
-          </a:xfrm>
-          <a:custGeom>
-            <a:avLst/>
-            <a:gdLst/>
-            <a:ahLst/>
-            <a:rect l="l" t="t" r="r" b="b"/>
-            <a:pathLst>
-              <a:path w="21600" h="21600">
-                <a:moveTo>
-                  <a:pt x="0" y="0"/>
-                </a:moveTo>
-                <a:lnTo>
-                  <a:pt x="21600" y="21600"/>
-                </a:lnTo>
-              </a:path>
-            </a:pathLst>
-          </a:custGeom>
-          <a:noFill/>
-          <a:ln w="9360">
-            <a:solidFill>
-              <a:schemeClr val="accent1"/>
-            </a:solidFill>
-            <a:round/>
-          </a:ln>
-          <a:effectLst>
-            <a:outerShdw algn="bl" blurRad="57150" dir="5400000" dist="19080" rotWithShape="0">
-              <a:srgbClr val="ffffff">
-                <a:alpha val="50000"/>
-              </a:srgbClr>
-            </a:outerShdw>
-          </a:effectLst>
-        </p:spPr>
-        <p:style>
-          <a:lnRef idx="0"/>
-          <a:fillRef idx="0"/>
-          <a:effectRef idx="0"/>
-          <a:fontRef idx="minor"/>
-        </p:style>
-      </p:sp>
-    </p:spTree>
-  </p:cSld>
-  <p:clrMapOvr>
-    <a:masterClrMapping/>
-  </p:clrMapOvr>
-</p:sld>
-</file>
-
-<file path=ppt/slides/slide9.xml><?xml version="1.0" encoding="utf-8"?>
-<p:sld xmlns:a="http://schemas.openxmlformats.org/drawingml/2006/main" xmlns:p="http://schemas.openxmlformats.org/presentationml/2006/main" xmlns:r="http://schemas.openxmlformats.org/officeDocument/2006/relationships">
-  <p:cSld>
-    <p:spTree>
-      <p:nvGrpSpPr>
-        <p:cNvPr id="1" name=""/>
-        <p:cNvGrpSpPr/>
-        <p:nvPr/>
-      </p:nvGrpSpPr>
-      <p:grpSpPr/>
-      <p:sp>
-        <p:nvSpPr>
-          <p:cNvPr id="78" name="CustomShape 1"/>
-          <p:cNvSpPr/>
-          <p:nvPr/>
-        </p:nvSpPr>
-        <p:spPr>
-          <a:xfrm>
-            <a:off x="938520" y="444960"/>
-            <a:ext cx="5733720" cy="939240"/>
-          </a:xfrm>
-          <a:prstGeom prst="rect">
-            <a:avLst/>
-          </a:prstGeom>
-          <a:noFill/>
-          <a:ln>
-            <a:noFill/>
-          </a:ln>
-        </p:spPr>
-        <p:style>
-          <a:lnRef idx="0"/>
-          <a:fillRef idx="0"/>
-          <a:effectRef idx="0"/>
-          <a:fontRef idx="minor"/>
-        </p:style>
-        <p:txBody>
-          <a:bodyPr lIns="90000" rIns="90000" tIns="91440" bIns="91440">
-            <a:noAutofit/>
-          </a:bodyPr>
-          <a:p>
-            <a:pPr>
-              <a:lnSpc>
-                <a:spcPct val="100000"/>
-              </a:lnSpc>
-              <a:tabLst>
-                <a:tab algn="l" pos="0"/>
-              </a:tabLst>
-            </a:pPr>
-            <a:r>
-              <a:rPr b="0" lang="en" sz="2400" spc="-1" strike="noStrike">
-                <a:solidFill>
-                  <a:srgbClr val="ffab40"/>
-                </a:solidFill>
-                <a:latin typeface="Montserrat ExtraBold"/>
-                <a:ea typeface="Montserrat ExtraBold"/>
-              </a:rPr>
-              <a:t>Future Directions and Open Problems</a:t>
-            </a:r>
-            <a:endParaRPr b="0" lang="en-US" sz="2400" spc="-1" strike="noStrike">
-              <a:latin typeface="Arial"/>
-            </a:endParaRPr>
-          </a:p>
-        </p:txBody>
-      </p:sp>
-      <p:sp>
-        <p:nvSpPr>
-          <p:cNvPr id="79" name="CustomShape 2"/>
-          <p:cNvSpPr/>
-          <p:nvPr/>
-        </p:nvSpPr>
-        <p:spPr>
-          <a:xfrm>
-            <a:off x="914400" y="1280160"/>
-            <a:ext cx="6924240" cy="2925000"/>
-          </a:xfrm>
-          <a:prstGeom prst="rect">
-            <a:avLst/>
-          </a:prstGeom>
-          <a:noFill/>
-          <a:ln>
-            <a:noFill/>
-          </a:ln>
-        </p:spPr>
-        <p:style>
-          <a:lnRef idx="0"/>
-          <a:fillRef idx="0"/>
-          <a:effectRef idx="0"/>
-          <a:fontRef idx="minor"/>
-        </p:style>
-        <p:txBody>
-          <a:bodyPr lIns="90000" rIns="90000" tIns="91440" bIns="91440">
-            <a:noAutofit/>
-          </a:bodyPr>
-          <a:p>
-            <a:pPr>
-              <a:lnSpc>
-                <a:spcPct val="100000"/>
-              </a:lnSpc>
-              <a:tabLst>
-                <a:tab algn="l" pos="0"/>
-              </a:tabLst>
-            </a:pPr>
-            <a:r>
-              <a:rPr b="0" lang="en" sz="2000" spc="-1" strike="noStrike">
-                <a:solidFill>
-                  <a:srgbClr val="ffffff"/>
-                </a:solidFill>
-                <a:latin typeface="Montserrat"/>
-                <a:ea typeface="Montserrat"/>
-              </a:rPr>
-              <a:t>Discussing the potential for further research in training networks with batch sizes beyond 32K and addressing existing challenges in large-batch training.</a:t>
+              <a:t>- Summary of LARS benefits in large-batch training
+- Discussion on accuracy loss and generalization gap
+- Future research avenues and potential improvements</a:t>
             </a:r>
             <a:endParaRPr b="0" lang="en-US" sz="2000" spc="-1" strike="noStrike">
               <a:latin typeface="Arial"/>
